--- a/A_Blind_Day_presentation.pptx
+++ b/A_Blind_Day_presentation.pptx
@@ -7,6 +7,10 @@
   <p:sldIdLst>
     <p:sldId id="256" r:id="rId2"/>
     <p:sldId id="257" r:id="rId3"/>
+    <p:sldId id="260" r:id="rId4"/>
+    <p:sldId id="258" r:id="rId5"/>
+    <p:sldId id="259" r:id="rId6"/>
+    <p:sldId id="261" r:id="rId7"/>
   </p:sldIdLst>
   <p:sldSz cx="12192000" cy="6858000"/>
   <p:notesSz cx="6858000" cy="9144000"/>
@@ -105,6 +109,11 @@
       </a:defRPr>
     </a:lvl9pPr>
   </p:defaultTextStyle>
+  <p:extLst>
+    <p:ext uri="{EFAFB233-063F-42B5-8137-9DF3F51BA10A}">
+      <p15:sldGuideLst xmlns:p15="http://schemas.microsoft.com/office/powerpoint/2012/main"/>
+    </p:ext>
+  </p:extLst>
 </p:presentation>
 </file>
 
@@ -5795,7 +5804,11 @@
           <a:bodyPr/>
           <a:lstStyle/>
           <a:p>
-            <a:endParaRPr lang="en-US"/>
+            <a:r>
+              <a:rPr lang="en-US" dirty="0" smtClean="0"/>
+              <a:t>Idea</a:t>
+            </a:r>
+            <a:endParaRPr lang="en-US" dirty="0"/>
           </a:p>
         </p:txBody>
       </p:sp>
@@ -5814,7 +5827,81 @@
           <a:bodyPr/>
           <a:lstStyle/>
           <a:p>
-            <a:endParaRPr lang="en-US"/>
+            <a:pPr marL="0" indent="0">
+              <a:buNone/>
+            </a:pPr>
+            <a:r>
+              <a:rPr lang="en-US" dirty="0" smtClean="0"/>
+              <a:t>Game that simulates blindness</a:t>
+            </a:r>
+          </a:p>
+          <a:p>
+            <a:pPr marL="0" indent="0">
+              <a:buNone/>
+            </a:pPr>
+            <a:r>
+              <a:rPr lang="en-US" dirty="0"/>
+              <a:t>	</a:t>
+            </a:r>
+            <a:r>
+              <a:rPr lang="en-US" dirty="0" smtClean="0"/>
+              <a:t>- No visual queues</a:t>
+            </a:r>
+          </a:p>
+          <a:p>
+            <a:pPr marL="0" indent="0">
+              <a:buNone/>
+            </a:pPr>
+            <a:r>
+              <a:rPr lang="en-US" dirty="0"/>
+              <a:t>	</a:t>
+            </a:r>
+            <a:r>
+              <a:rPr lang="en-US" dirty="0" smtClean="0"/>
+              <a:t>- Reliance on audio only</a:t>
+            </a:r>
+          </a:p>
+          <a:p>
+            <a:pPr marL="0" indent="0">
+              <a:buNone/>
+            </a:pPr>
+            <a:endParaRPr lang="en-US" dirty="0"/>
+          </a:p>
+          <a:p>
+            <a:pPr marL="0" indent="0">
+              <a:buNone/>
+            </a:pPr>
+            <a:r>
+              <a:rPr lang="en-US" dirty="0" smtClean="0"/>
+              <a:t>Benefits:</a:t>
+            </a:r>
+          </a:p>
+          <a:p>
+            <a:pPr marL="0" indent="0">
+              <a:buNone/>
+            </a:pPr>
+            <a:r>
+              <a:rPr lang="en-US" dirty="0"/>
+              <a:t>	</a:t>
+            </a:r>
+            <a:r>
+              <a:rPr lang="en-US" dirty="0" smtClean="0"/>
+              <a:t>- Game suitable for visually impaired individuals</a:t>
+            </a:r>
+          </a:p>
+          <a:p>
+            <a:pPr marL="0" indent="0">
+              <a:buNone/>
+            </a:pPr>
+            <a:r>
+              <a:rPr lang="en-US" dirty="0"/>
+              <a:t>	</a:t>
+            </a:r>
+            <a:r>
+              <a:rPr lang="en-US" dirty="0" smtClean="0"/>
+              <a:t>- Allows people to feel how it is like to be visually impaired</a:t>
+            </a:r>
+            <a:endParaRPr lang="en-US" dirty="0" smtClean="0"/>
           </a:p>
         </p:txBody>
       </p:sp>
@@ -5822,6 +5909,502 @@
     <p:extLst>
       <p:ext uri="{BB962C8B-B14F-4D97-AF65-F5344CB8AC3E}">
         <p14:creationId xmlns:p14="http://schemas.microsoft.com/office/powerpoint/2010/main" val="2212215315"/>
+      </p:ext>
+    </p:extLst>
+  </p:cSld>
+  <p:clrMapOvr>
+    <a:masterClrMapping/>
+  </p:clrMapOvr>
+</p:sld>
+</file>
+
+<file path=ppt/slides/slide3.xml><?xml version="1.0" encoding="utf-8"?>
+<p:sld xmlns:a="http://schemas.openxmlformats.org/drawingml/2006/main" xmlns:r="http://schemas.openxmlformats.org/officeDocument/2006/relationships" xmlns:p="http://schemas.openxmlformats.org/presentationml/2006/main">
+  <p:cSld>
+    <p:spTree>
+      <p:nvGrpSpPr>
+        <p:cNvPr id="1" name=""/>
+        <p:cNvGrpSpPr/>
+        <p:nvPr/>
+      </p:nvGrpSpPr>
+      <p:grpSpPr>
+        <a:xfrm>
+          <a:off x="0" y="0"/>
+          <a:ext cx="0" cy="0"/>
+          <a:chOff x="0" y="0"/>
+          <a:chExt cx="0" cy="0"/>
+        </a:xfrm>
+      </p:grpSpPr>
+      <p:sp>
+        <p:nvSpPr>
+          <p:cNvPr id="2" name="Title 1"/>
+          <p:cNvSpPr>
+            <a:spLocks noGrp="1"/>
+          </p:cNvSpPr>
+          <p:nvPr>
+            <p:ph type="title"/>
+          </p:nvPr>
+        </p:nvSpPr>
+        <p:spPr/>
+        <p:txBody>
+          <a:bodyPr/>
+          <a:lstStyle/>
+          <a:p>
+            <a:r>
+              <a:rPr lang="en-US" dirty="0" smtClean="0"/>
+              <a:t>The plot</a:t>
+            </a:r>
+            <a:endParaRPr lang="en-US" dirty="0"/>
+          </a:p>
+        </p:txBody>
+      </p:sp>
+      <p:sp>
+        <p:nvSpPr>
+          <p:cNvPr id="3" name="Content Placeholder 2"/>
+          <p:cNvSpPr>
+            <a:spLocks noGrp="1"/>
+          </p:cNvSpPr>
+          <p:nvPr>
+            <p:ph idx="1"/>
+          </p:nvPr>
+        </p:nvSpPr>
+        <p:spPr/>
+        <p:txBody>
+          <a:bodyPr/>
+          <a:lstStyle/>
+          <a:p>
+            <a:pPr marL="0" indent="0">
+              <a:buNone/>
+            </a:pPr>
+            <a:r>
+              <a:rPr lang="en-US" dirty="0" smtClean="0"/>
+              <a:t>You wake up in the bedroom unable to see</a:t>
+            </a:r>
+          </a:p>
+          <a:p>
+            <a:pPr marL="0" indent="0">
+              <a:buNone/>
+            </a:pPr>
+            <a:endParaRPr lang="en-US" dirty="0"/>
+          </a:p>
+          <a:p>
+            <a:pPr marL="0" indent="0">
+              <a:buNone/>
+            </a:pPr>
+            <a:r>
+              <a:rPr lang="en-US" dirty="0" smtClean="0"/>
+              <a:t>You have to go through the day</a:t>
+            </a:r>
+          </a:p>
+          <a:p>
+            <a:pPr marL="0" indent="0">
+              <a:buNone/>
+            </a:pPr>
+            <a:r>
+              <a:rPr lang="en-US" dirty="0" smtClean="0"/>
+              <a:t>relying only your tactile and audio abilities</a:t>
+            </a:r>
+          </a:p>
+          <a:p>
+            <a:pPr marL="0" indent="0">
+              <a:buNone/>
+            </a:pPr>
+            <a:endParaRPr lang="en-US" dirty="0"/>
+          </a:p>
+          <a:p>
+            <a:pPr marL="0" indent="0">
+              <a:buNone/>
+            </a:pPr>
+            <a:r>
+              <a:rPr lang="en-US" dirty="0" smtClean="0"/>
+              <a:t>Even ordinary tasks require a lot of time and patience in this condition</a:t>
+            </a:r>
+            <a:endParaRPr lang="en-US" dirty="0"/>
+          </a:p>
+        </p:txBody>
+      </p:sp>
+    </p:spTree>
+    <p:extLst>
+      <p:ext uri="{BB962C8B-B14F-4D97-AF65-F5344CB8AC3E}">
+        <p14:creationId xmlns:p14="http://schemas.microsoft.com/office/powerpoint/2010/main" val="2231377121"/>
+      </p:ext>
+    </p:extLst>
+  </p:cSld>
+  <p:clrMapOvr>
+    <a:masterClrMapping/>
+  </p:clrMapOvr>
+</p:sld>
+</file>
+
+<file path=ppt/slides/slide4.xml><?xml version="1.0" encoding="utf-8"?>
+<p:sld xmlns:a="http://schemas.openxmlformats.org/drawingml/2006/main" xmlns:r="http://schemas.openxmlformats.org/officeDocument/2006/relationships" xmlns:p="http://schemas.openxmlformats.org/presentationml/2006/main">
+  <p:cSld>
+    <p:spTree>
+      <p:nvGrpSpPr>
+        <p:cNvPr id="1" name=""/>
+        <p:cNvGrpSpPr/>
+        <p:nvPr/>
+      </p:nvGrpSpPr>
+      <p:grpSpPr>
+        <a:xfrm>
+          <a:off x="0" y="0"/>
+          <a:ext cx="0" cy="0"/>
+          <a:chOff x="0" y="0"/>
+          <a:chExt cx="0" cy="0"/>
+        </a:xfrm>
+      </p:grpSpPr>
+      <p:sp>
+        <p:nvSpPr>
+          <p:cNvPr id="2" name="Title 1"/>
+          <p:cNvSpPr>
+            <a:spLocks noGrp="1"/>
+          </p:cNvSpPr>
+          <p:nvPr>
+            <p:ph type="title"/>
+          </p:nvPr>
+        </p:nvSpPr>
+        <p:spPr/>
+        <p:txBody>
+          <a:bodyPr/>
+          <a:lstStyle/>
+          <a:p>
+            <a:r>
+              <a:rPr lang="en-US" dirty="0" smtClean="0"/>
+              <a:t>Result</a:t>
+            </a:r>
+            <a:endParaRPr lang="en-US" dirty="0"/>
+          </a:p>
+        </p:txBody>
+      </p:sp>
+      <p:pic>
+        <p:nvPicPr>
+          <p:cNvPr id="4" name="Content Placeholder 3"/>
+          <p:cNvPicPr>
+            <a:picLocks noGrp="1" noChangeAspect="1"/>
+          </p:cNvPicPr>
+          <p:nvPr>
+            <p:ph idx="1"/>
+          </p:nvPr>
+        </p:nvPicPr>
+        <p:blipFill>
+          <a:blip r:embed="rId2">
+            <a:extLst>
+              <a:ext uri="{28A0092B-C50C-407E-A947-70E740481C1C}">
+                <a14:useLocalDpi xmlns:a14="http://schemas.microsoft.com/office/drawing/2010/main" val="0"/>
+              </a:ext>
+            </a:extLst>
+          </a:blip>
+          <a:stretch>
+            <a:fillRect/>
+          </a:stretch>
+        </p:blipFill>
+        <p:spPr>
+          <a:xfrm>
+            <a:off x="2340195" y="2106681"/>
+            <a:ext cx="7026335" cy="3974941"/>
+          </a:xfrm>
+        </p:spPr>
+      </p:pic>
+      <p:sp>
+        <p:nvSpPr>
+          <p:cNvPr id="5" name="TextBox 4"/>
+          <p:cNvSpPr txBox="1"/>
+          <p:nvPr/>
+        </p:nvSpPr>
+        <p:spPr>
+          <a:xfrm>
+            <a:off x="4675517" y="6228272"/>
+            <a:ext cx="2565126" cy="369332"/>
+          </a:xfrm>
+          <a:prstGeom prst="rect">
+            <a:avLst/>
+          </a:prstGeom>
+          <a:noFill/>
+        </p:spPr>
+        <p:txBody>
+          <a:bodyPr wrap="none" rtlCol="0">
+            <a:spAutoFit/>
+          </a:bodyPr>
+          <a:lstStyle/>
+          <a:p>
+            <a:r>
+              <a:rPr lang="en-US" dirty="0" smtClean="0"/>
+              <a:t>An actual screenshot</a:t>
+            </a:r>
+            <a:endParaRPr lang="en-US" dirty="0"/>
+          </a:p>
+        </p:txBody>
+      </p:sp>
+    </p:spTree>
+    <p:extLst>
+      <p:ext uri="{BB962C8B-B14F-4D97-AF65-F5344CB8AC3E}">
+        <p14:creationId xmlns:p14="http://schemas.microsoft.com/office/powerpoint/2010/main" val="1502930416"/>
+      </p:ext>
+    </p:extLst>
+  </p:cSld>
+  <p:clrMapOvr>
+    <a:masterClrMapping/>
+  </p:clrMapOvr>
+</p:sld>
+</file>
+
+<file path=ppt/slides/slide5.xml><?xml version="1.0" encoding="utf-8"?>
+<p:sld xmlns:a="http://schemas.openxmlformats.org/drawingml/2006/main" xmlns:r="http://schemas.openxmlformats.org/officeDocument/2006/relationships" xmlns:p="http://schemas.openxmlformats.org/presentationml/2006/main">
+  <p:cSld>
+    <p:spTree>
+      <p:nvGrpSpPr>
+        <p:cNvPr id="1" name=""/>
+        <p:cNvGrpSpPr/>
+        <p:nvPr/>
+      </p:nvGrpSpPr>
+      <p:grpSpPr>
+        <a:xfrm>
+          <a:off x="0" y="0"/>
+          <a:ext cx="0" cy="0"/>
+          <a:chOff x="0" y="0"/>
+          <a:chExt cx="0" cy="0"/>
+        </a:xfrm>
+      </p:grpSpPr>
+      <p:sp>
+        <p:nvSpPr>
+          <p:cNvPr id="2" name="Title 1"/>
+          <p:cNvSpPr>
+            <a:spLocks noGrp="1"/>
+          </p:cNvSpPr>
+          <p:nvPr>
+            <p:ph type="title"/>
+          </p:nvPr>
+        </p:nvSpPr>
+        <p:spPr>
+          <a:xfrm>
+            <a:off x="192508" y="-425570"/>
+            <a:ext cx="9905998" cy="1905000"/>
+          </a:xfrm>
+        </p:spPr>
+        <p:txBody>
+          <a:bodyPr/>
+          <a:lstStyle/>
+          <a:p>
+            <a:r>
+              <a:rPr lang="en-US" dirty="0" smtClean="0"/>
+              <a:t>Behind the scenes</a:t>
+            </a:r>
+            <a:endParaRPr lang="en-US" dirty="0"/>
+          </a:p>
+        </p:txBody>
+      </p:sp>
+      <p:pic>
+        <p:nvPicPr>
+          <p:cNvPr id="4" name="Content Placeholder 3"/>
+          <p:cNvPicPr>
+            <a:picLocks noGrp="1" noChangeAspect="1"/>
+          </p:cNvPicPr>
+          <p:nvPr>
+            <p:ph idx="1"/>
+          </p:nvPr>
+        </p:nvPicPr>
+        <p:blipFill>
+          <a:blip r:embed="rId2">
+            <a:extLst>
+              <a:ext uri="{28A0092B-C50C-407E-A947-70E740481C1C}">
+                <a14:useLocalDpi xmlns:a14="http://schemas.microsoft.com/office/drawing/2010/main" val="0"/>
+              </a:ext>
+            </a:extLst>
+          </a:blip>
+          <a:stretch>
+            <a:fillRect/>
+          </a:stretch>
+        </p:blipFill>
+        <p:spPr>
+          <a:xfrm>
+            <a:off x="1110122" y="860727"/>
+            <a:ext cx="10083749" cy="5847251"/>
+          </a:xfrm>
+        </p:spPr>
+      </p:pic>
+      <p:sp>
+        <p:nvSpPr>
+          <p:cNvPr id="5" name="TextBox 4"/>
+          <p:cNvSpPr txBox="1"/>
+          <p:nvPr/>
+        </p:nvSpPr>
+        <p:spPr>
+          <a:xfrm>
+            <a:off x="4942935" y="6090248"/>
+            <a:ext cx="2185214" cy="369332"/>
+          </a:xfrm>
+          <a:prstGeom prst="rect">
+            <a:avLst/>
+          </a:prstGeom>
+          <a:noFill/>
+        </p:spPr>
+        <p:txBody>
+          <a:bodyPr wrap="none" rtlCol="0">
+            <a:spAutoFit/>
+          </a:bodyPr>
+          <a:lstStyle/>
+          <a:p>
+            <a:r>
+              <a:rPr lang="en-US" dirty="0" smtClean="0">
+                <a:solidFill>
+                  <a:schemeClr val="bg1"/>
+                </a:solidFill>
+              </a:rPr>
+              <a:t>Invisible controls!!!</a:t>
+            </a:r>
+            <a:endParaRPr lang="en-US" dirty="0">
+              <a:solidFill>
+                <a:schemeClr val="bg1"/>
+              </a:solidFill>
+            </a:endParaRPr>
+          </a:p>
+        </p:txBody>
+      </p:sp>
+    </p:spTree>
+    <p:extLst>
+      <p:ext uri="{BB962C8B-B14F-4D97-AF65-F5344CB8AC3E}">
+        <p14:creationId xmlns:p14="http://schemas.microsoft.com/office/powerpoint/2010/main" val="1897691260"/>
+      </p:ext>
+    </p:extLst>
+  </p:cSld>
+  <p:clrMapOvr>
+    <a:masterClrMapping/>
+  </p:clrMapOvr>
+</p:sld>
+</file>
+
+<file path=ppt/slides/slide6.xml><?xml version="1.0" encoding="utf-8"?>
+<p:sld xmlns:a="http://schemas.openxmlformats.org/drawingml/2006/main" xmlns:r="http://schemas.openxmlformats.org/officeDocument/2006/relationships" xmlns:p="http://schemas.openxmlformats.org/presentationml/2006/main">
+  <p:cSld>
+    <p:spTree>
+      <p:nvGrpSpPr>
+        <p:cNvPr id="1" name=""/>
+        <p:cNvGrpSpPr/>
+        <p:nvPr/>
+      </p:nvGrpSpPr>
+      <p:grpSpPr>
+        <a:xfrm>
+          <a:off x="0" y="0"/>
+          <a:ext cx="0" cy="0"/>
+          <a:chOff x="0" y="0"/>
+          <a:chExt cx="0" cy="0"/>
+        </a:xfrm>
+      </p:grpSpPr>
+      <p:sp>
+        <p:nvSpPr>
+          <p:cNvPr id="2" name="Title 1"/>
+          <p:cNvSpPr>
+            <a:spLocks noGrp="1"/>
+          </p:cNvSpPr>
+          <p:nvPr>
+            <p:ph type="title"/>
+          </p:nvPr>
+        </p:nvSpPr>
+        <p:spPr/>
+        <p:txBody>
+          <a:bodyPr/>
+          <a:lstStyle/>
+          <a:p>
+            <a:r>
+              <a:rPr lang="en-US" dirty="0" smtClean="0"/>
+              <a:t>Features</a:t>
+            </a:r>
+            <a:endParaRPr lang="en-US" dirty="0"/>
+          </a:p>
+        </p:txBody>
+      </p:sp>
+      <p:sp>
+        <p:nvSpPr>
+          <p:cNvPr id="3" name="Content Placeholder 2"/>
+          <p:cNvSpPr>
+            <a:spLocks noGrp="1"/>
+          </p:cNvSpPr>
+          <p:nvPr>
+            <p:ph idx="1"/>
+          </p:nvPr>
+        </p:nvSpPr>
+        <p:spPr/>
+        <p:txBody>
+          <a:bodyPr/>
+          <a:lstStyle/>
+          <a:p>
+            <a:pPr marL="0" indent="0">
+              <a:buNone/>
+            </a:pPr>
+            <a:r>
+              <a:rPr lang="en-US" dirty="0" smtClean="0"/>
+              <a:t>Three stages</a:t>
+            </a:r>
+          </a:p>
+          <a:p>
+            <a:pPr marL="0" indent="0">
+              <a:buNone/>
+            </a:pPr>
+            <a:r>
+              <a:rPr lang="en-US" dirty="0"/>
+              <a:t>	</a:t>
+            </a:r>
+            <a:r>
+              <a:rPr lang="en-US" dirty="0" smtClean="0"/>
+              <a:t>- Waking up, getting dressed</a:t>
+            </a:r>
+          </a:p>
+          <a:p>
+            <a:pPr marL="0" indent="0">
+              <a:buNone/>
+            </a:pPr>
+            <a:r>
+              <a:rPr lang="en-US" dirty="0"/>
+              <a:t>	</a:t>
+            </a:r>
+            <a:r>
+              <a:rPr lang="en-US" dirty="0" smtClean="0"/>
+              <a:t>- bathroom, brushing teeth</a:t>
+            </a:r>
+          </a:p>
+          <a:p>
+            <a:pPr marL="0" indent="0">
+              <a:buNone/>
+            </a:pPr>
+            <a:r>
+              <a:rPr lang="en-US" dirty="0"/>
+              <a:t>	</a:t>
+            </a:r>
+            <a:r>
+              <a:rPr lang="en-US" dirty="0" smtClean="0"/>
+              <a:t>- making breakfast</a:t>
+            </a:r>
+          </a:p>
+          <a:p>
+            <a:pPr marL="0" indent="0">
+              <a:buNone/>
+            </a:pPr>
+            <a:endParaRPr lang="en-US" dirty="0"/>
+          </a:p>
+          <a:p>
+            <a:pPr marL="0" indent="0">
+              <a:buNone/>
+            </a:pPr>
+            <a:r>
+              <a:rPr lang="en-US" dirty="0" smtClean="0"/>
+              <a:t>Soundtrack!</a:t>
+            </a:r>
+          </a:p>
+          <a:p>
+            <a:pPr marL="0" indent="0">
+              <a:buNone/>
+            </a:pPr>
+            <a:r>
+              <a:rPr lang="en-US" dirty="0" smtClean="0"/>
+              <a:t>Difficult gameplay!</a:t>
+            </a:r>
+          </a:p>
+        </p:txBody>
+      </p:sp>
+    </p:spTree>
+    <p:extLst>
+      <p:ext uri="{BB962C8B-B14F-4D97-AF65-F5344CB8AC3E}">
+        <p14:creationId xmlns:p14="http://schemas.microsoft.com/office/powerpoint/2010/main" val="3310686688"/>
       </p:ext>
     </p:extLst>
   </p:cSld>
